--- a/TodoList.pptx
+++ b/TodoList.pptx
@@ -254,7 +254,7 @@
           <a:p>
             <a:fld id="{7F3EFD7D-B38E-DF46-A28E-651C72079A54}" type="datetimeFigureOut">
               <a:rPr kumimoji="1" lang="zh-CN" altLang="en-US" smtClean="0"/>
-              <a:t>2019/9/3</a:t>
+              <a:t>2019/9/4</a:t>
             </a:fld>
             <a:endParaRPr kumimoji="1" lang="zh-CN" altLang="en-US"/>
           </a:p>
@@ -3736,7 +3736,7 @@
           <a:p>
             <a:fld id="{51F648B3-D535-3941-83F1-255C6C7DFDD1}" type="datetimeFigureOut">
               <a:rPr kumimoji="1" lang="zh-CN" altLang="en-US" smtClean="0"/>
-              <a:t>2019/9/3</a:t>
+              <a:t>2019/9/4</a:t>
             </a:fld>
             <a:endParaRPr kumimoji="1" lang="zh-CN" altLang="en-US"/>
           </a:p>
@@ -3892,7 +3892,7 @@
           <a:p>
             <a:fld id="{51F648B3-D535-3941-83F1-255C6C7DFDD1}" type="datetimeFigureOut">
               <a:rPr kumimoji="1" lang="zh-CN" altLang="en-US" smtClean="0"/>
-              <a:t>2019/9/3</a:t>
+              <a:t>2019/9/4</a:t>
             </a:fld>
             <a:endParaRPr kumimoji="1" lang="zh-CN" altLang="en-US"/>
           </a:p>
@@ -4038,7 +4038,7 @@
           <a:p>
             <a:fld id="{51F648B3-D535-3941-83F1-255C6C7DFDD1}" type="datetimeFigureOut">
               <a:rPr kumimoji="1" lang="zh-CN" altLang="en-US" smtClean="0"/>
-              <a:t>2019/9/3</a:t>
+              <a:t>2019/9/4</a:t>
             </a:fld>
             <a:endParaRPr kumimoji="1" lang="zh-CN" altLang="en-US"/>
           </a:p>
@@ -4289,7 +4289,7 @@
           <a:p>
             <a:fld id="{51F648B3-D535-3941-83F1-255C6C7DFDD1}" type="datetimeFigureOut">
               <a:rPr kumimoji="1" lang="zh-CN" altLang="en-US" smtClean="0"/>
-              <a:t>2019/9/3</a:t>
+              <a:t>2019/9/4</a:t>
             </a:fld>
             <a:endParaRPr kumimoji="1" lang="zh-CN" altLang="en-US"/>
           </a:p>
@@ -4473,7 +4473,7 @@
           <a:p>
             <a:fld id="{51F648B3-D535-3941-83F1-255C6C7DFDD1}" type="datetimeFigureOut">
               <a:rPr kumimoji="1" lang="zh-CN" altLang="en-US" smtClean="0"/>
-              <a:t>2019/9/3</a:t>
+              <a:t>2019/9/4</a:t>
             </a:fld>
             <a:endParaRPr kumimoji="1" lang="zh-CN" altLang="en-US"/>
           </a:p>
@@ -4802,7 +4802,7 @@
           <a:p>
             <a:fld id="{51F648B3-D535-3941-83F1-255C6C7DFDD1}" type="datetimeFigureOut">
               <a:rPr kumimoji="1" lang="zh-CN" altLang="en-US" smtClean="0"/>
-              <a:t>2019/9/3</a:t>
+              <a:t>2019/9/4</a:t>
             </a:fld>
             <a:endParaRPr kumimoji="1" lang="zh-CN" altLang="en-US"/>
           </a:p>
@@ -4920,7 +4920,7 @@
           <a:p>
             <a:fld id="{51F648B3-D535-3941-83F1-255C6C7DFDD1}" type="datetimeFigureOut">
               <a:rPr kumimoji="1" lang="zh-CN" altLang="en-US" smtClean="0"/>
-              <a:t>2019/9/3</a:t>
+              <a:t>2019/9/4</a:t>
             </a:fld>
             <a:endParaRPr kumimoji="1" lang="zh-CN" altLang="en-US"/>
           </a:p>
@@ -5015,7 +5015,7 @@
           <a:p>
             <a:fld id="{51F648B3-D535-3941-83F1-255C6C7DFDD1}" type="datetimeFigureOut">
               <a:rPr kumimoji="1" lang="zh-CN" altLang="en-US" smtClean="0"/>
-              <a:t>2019/9/3</a:t>
+              <a:t>2019/9/4</a:t>
             </a:fld>
             <a:endParaRPr kumimoji="1" lang="zh-CN" altLang="en-US"/>
           </a:p>
@@ -5273,7 +5273,7 @@
           <a:p>
             <a:fld id="{51F648B3-D535-3941-83F1-255C6C7DFDD1}" type="datetimeFigureOut">
               <a:rPr kumimoji="1" lang="zh-CN" altLang="en-US" smtClean="0"/>
-              <a:t>2019/9/3</a:t>
+              <a:t>2019/9/4</a:t>
             </a:fld>
             <a:endParaRPr kumimoji="1" lang="zh-CN" altLang="en-US"/>
           </a:p>
@@ -5535,7 +5535,7 @@
           <a:p>
             <a:fld id="{51F648B3-D535-3941-83F1-255C6C7DFDD1}" type="datetimeFigureOut">
               <a:rPr kumimoji="1" lang="zh-CN" altLang="en-US" smtClean="0"/>
-              <a:t>2019/9/3</a:t>
+              <a:t>2019/9/4</a:t>
             </a:fld>
             <a:endParaRPr kumimoji="1" lang="zh-CN" altLang="en-US"/>
           </a:p>
@@ -5724,7 +5724,7 @@
           <a:p>
             <a:fld id="{51F648B3-D535-3941-83F1-255C6C7DFDD1}" type="datetimeFigureOut">
               <a:rPr kumimoji="1" lang="zh-CN" altLang="en-US" smtClean="0"/>
-              <a:t>2019/9/3</a:t>
+              <a:t>2019/9/4</a:t>
             </a:fld>
             <a:endParaRPr kumimoji="1" lang="zh-CN" altLang="en-US"/>
           </a:p>
@@ -6820,32 +6820,32 @@
                 <a:latin typeface="PingFang SC" panose="020B0400000000000000" pitchFamily="34" charset="-122"/>
                 <a:ea typeface="PingFang SC" panose="020B0400000000000000" pitchFamily="34" charset="-122"/>
               </a:rPr>
-              <a:t>props, </a:t>
-            </a:r>
-            <a:r>
-              <a:rPr kumimoji="1" lang="en-US" altLang="zh-CN" sz="2800" dirty="0" err="1">
+              <a:t>props</a:t>
+            </a:r>
+          </a:p>
+          <a:p>
+            <a:pPr marL="285750" indent="-285750">
+              <a:buFont typeface="Arial" panose="020B0604020202020204" pitchFamily="34" charset="0"/>
+              <a:buChar char="•"/>
+            </a:pPr>
+            <a:r>
+              <a:rPr kumimoji="1" lang="en-US" altLang="zh-CN" sz="2800" dirty="0">
                 <a:latin typeface="PingFang SC" panose="020B0400000000000000" pitchFamily="34" charset="-122"/>
                 <a:ea typeface="PingFang SC" panose="020B0400000000000000" pitchFamily="34" charset="-122"/>
               </a:rPr>
-              <a:t>props.children</a:t>
+              <a:t>State, </a:t>
+            </a:r>
+            <a:r>
+              <a:rPr lang="en-US" altLang="zh-CN" sz="2800" dirty="0">
+                <a:latin typeface="PingFang SC" panose="020B0400000000000000" pitchFamily="34" charset="-122"/>
+                <a:ea typeface="PingFang SC" panose="020B0400000000000000" pitchFamily="34" charset="-122"/>
+              </a:rPr>
+              <a:t>UI = f(State) </a:t>
             </a:r>
             <a:endParaRPr kumimoji="1" lang="en-US" altLang="zh-CN" sz="2800" dirty="0">
               <a:latin typeface="PingFang SC" panose="020B0400000000000000" pitchFamily="34" charset="-122"/>
               <a:ea typeface="PingFang SC" panose="020B0400000000000000" pitchFamily="34" charset="-122"/>
             </a:endParaRPr>
-          </a:p>
-          <a:p>
-            <a:pPr marL="285750" indent="-285750">
-              <a:buFont typeface="Arial" panose="020B0604020202020204" pitchFamily="34" charset="0"/>
-              <a:buChar char="•"/>
-            </a:pPr>
-            <a:r>
-              <a:rPr kumimoji="1" lang="en-US" altLang="zh-CN" sz="2800" dirty="0">
-                <a:latin typeface="PingFang SC" panose="020B0400000000000000" pitchFamily="34" charset="-122"/>
-                <a:ea typeface="PingFang SC" panose="020B0400000000000000" pitchFamily="34" charset="-122"/>
-              </a:rPr>
-              <a:t>state</a:t>
-            </a:r>
           </a:p>
           <a:p>
             <a:pPr marL="285750" indent="-285750">
